--- a/PRD-21-C2/非受控文档/本周提交文档/UML建模工具—StarUML使用介绍.pptx
+++ b/PRD-21-C2/非受控文档/本周提交文档/UML建模工具—StarUML使用介绍.pptx
@@ -41,15 +41,16 @@
     <p:sldId id="317" r:id="rId35"/>
     <p:sldId id="326" r:id="rId36"/>
     <p:sldId id="340" r:id="rId37"/>
-    <p:sldId id="341" r:id="rId38"/>
-    <p:sldId id="339" r:id="rId39"/>
-    <p:sldId id="309" r:id="rId40"/>
-    <p:sldId id="310" r:id="rId41"/>
-    <p:sldId id="311" r:id="rId42"/>
-    <p:sldId id="312" r:id="rId43"/>
-    <p:sldId id="276" r:id="rId44"/>
-    <p:sldId id="258" r:id="rId45"/>
-    <p:sldId id="343" r:id="rId46"/>
+    <p:sldId id="344" r:id="rId38"/>
+    <p:sldId id="341" r:id="rId39"/>
+    <p:sldId id="339" r:id="rId40"/>
+    <p:sldId id="309" r:id="rId41"/>
+    <p:sldId id="310" r:id="rId42"/>
+    <p:sldId id="311" r:id="rId43"/>
+    <p:sldId id="312" r:id="rId44"/>
+    <p:sldId id="276" r:id="rId45"/>
+    <p:sldId id="258" r:id="rId46"/>
+    <p:sldId id="343" r:id="rId47"/>
   </p:sldIdLst>
   <p:sldSz cx="9144000" cy="6858000" type="screen4x3"/>
   <p:notesSz cx="6858000" cy="9144000"/>
@@ -359,7 +360,7 @@
             <a:fld id="{59BC694E-490B-4887-8FD5-15D7762CBCA7}" type="datetimeFigureOut">
               <a:rPr lang="zh-CN" altLang="en-US" smtClean="0"/>
               <a:pPr/>
-              <a:t>2017/11/10</a:t>
+              <a:t>17/11/11</a:t>
             </a:fld>
             <a:endParaRPr lang="zh-CN" altLang="en-US"/>
           </a:p>
@@ -555,7 +556,7 @@
             <a:fld id="{59BC694E-490B-4887-8FD5-15D7762CBCA7}" type="datetimeFigureOut">
               <a:rPr lang="zh-CN" altLang="en-US" smtClean="0"/>
               <a:pPr/>
-              <a:t>2017/11/10</a:t>
+              <a:t>17/11/11</a:t>
             </a:fld>
             <a:endParaRPr lang="zh-CN" altLang="en-US"/>
           </a:p>
@@ -745,7 +746,7 @@
             <a:fld id="{59BC694E-490B-4887-8FD5-15D7762CBCA7}" type="datetimeFigureOut">
               <a:rPr lang="zh-CN" altLang="en-US" smtClean="0"/>
               <a:pPr/>
-              <a:t>2017/11/10</a:t>
+              <a:t>17/11/11</a:t>
             </a:fld>
             <a:endParaRPr lang="zh-CN" altLang="en-US"/>
           </a:p>
@@ -976,7 +977,7 @@
             <a:fld id="{59BC694E-490B-4887-8FD5-15D7762CBCA7}" type="datetimeFigureOut">
               <a:rPr lang="zh-CN" altLang="en-US" smtClean="0"/>
               <a:pPr/>
-              <a:t>2017/11/10</a:t>
+              <a:t>17/11/11</a:t>
             </a:fld>
             <a:endParaRPr lang="zh-CN" altLang="en-US"/>
           </a:p>
@@ -1259,7 +1260,7 @@
             <a:fld id="{59BC694E-490B-4887-8FD5-15D7762CBCA7}" type="datetimeFigureOut">
               <a:rPr lang="zh-CN" altLang="en-US" smtClean="0"/>
               <a:pPr/>
-              <a:t>2017/11/10</a:t>
+              <a:t>17/11/11</a:t>
             </a:fld>
             <a:endParaRPr lang="zh-CN" altLang="en-US"/>
           </a:p>
@@ -1549,7 +1550,7 @@
             <a:fld id="{59BC694E-490B-4887-8FD5-15D7762CBCA7}" type="datetimeFigureOut">
               <a:rPr lang="zh-CN" altLang="en-US" smtClean="0"/>
               <a:pPr/>
-              <a:t>2017/11/10</a:t>
+              <a:t>17/11/11</a:t>
             </a:fld>
             <a:endParaRPr lang="zh-CN" altLang="en-US"/>
           </a:p>
@@ -2105,7 +2106,7 @@
             <a:fld id="{59BC694E-490B-4887-8FD5-15D7762CBCA7}" type="datetimeFigureOut">
               <a:rPr lang="zh-CN" altLang="en-US" smtClean="0"/>
               <a:pPr/>
-              <a:t>2017/11/10</a:t>
+              <a:t>17/11/11</a:t>
             </a:fld>
             <a:endParaRPr lang="zh-CN" altLang="en-US"/>
           </a:p>
@@ -2238,7 +2239,7 @@
             <a:fld id="{59BC694E-490B-4887-8FD5-15D7762CBCA7}" type="datetimeFigureOut">
               <a:rPr lang="zh-CN" altLang="en-US" smtClean="0"/>
               <a:pPr/>
-              <a:t>2017/11/10</a:t>
+              <a:t>17/11/11</a:t>
             </a:fld>
             <a:endParaRPr lang="zh-CN" altLang="en-US"/>
           </a:p>
@@ -2390,7 +2391,7 @@
             <a:fld id="{59BC694E-490B-4887-8FD5-15D7762CBCA7}" type="datetimeFigureOut">
               <a:rPr lang="zh-CN" altLang="en-US" smtClean="0"/>
               <a:pPr/>
-              <a:t>2017/11/10</a:t>
+              <a:t>17/11/11</a:t>
             </a:fld>
             <a:endParaRPr lang="zh-CN" altLang="en-US"/>
           </a:p>
@@ -2713,7 +2714,7 @@
             <a:fld id="{59BC694E-490B-4887-8FD5-15D7762CBCA7}" type="datetimeFigureOut">
               <a:rPr lang="zh-CN" altLang="en-US" smtClean="0"/>
               <a:pPr/>
-              <a:t>2017/11/10</a:t>
+              <a:t>17/11/11</a:t>
             </a:fld>
             <a:endParaRPr lang="zh-CN" altLang="en-US"/>
           </a:p>
@@ -3012,7 +3013,7 @@
             <a:fld id="{59BC694E-490B-4887-8FD5-15D7762CBCA7}" type="datetimeFigureOut">
               <a:rPr lang="zh-CN" altLang="en-US" smtClean="0"/>
               <a:pPr/>
-              <a:t>2017/11/10</a:t>
+              <a:t>17/11/11</a:t>
             </a:fld>
             <a:endParaRPr lang="zh-CN" altLang="en-US"/>
           </a:p>
@@ -3259,7 +3260,7 @@
             <a:fld id="{59BC694E-490B-4887-8FD5-15D7762CBCA7}" type="datetimeFigureOut">
               <a:rPr lang="zh-CN" altLang="en-US" smtClean="0"/>
               <a:pPr/>
-              <a:t>2017/11/10</a:t>
+              <a:t>17/11/11</a:t>
             </a:fld>
             <a:endParaRPr lang="zh-CN" altLang="en-US"/>
           </a:p>
@@ -3842,7 +3843,7 @@
           <p:cNvPr id="4" name="图片 3">
             <a:extLst>
               <a:ext uri="{FF2B5EF4-FFF2-40B4-BE49-F238E27FC236}">
-                <a16:creationId xmlns="" xmlns:a16="http://schemas.microsoft.com/office/drawing/2014/main" id="{5C678702-5EA8-4728-B24B-014FB63A4CCB}"/>
+                <a16:creationId xmlns:a16="http://schemas.microsoft.com/office/drawing/2014/main" xmlns="" id="{5C678702-5EA8-4728-B24B-014FB63A4CCB}"/>
               </a:ext>
             </a:extLst>
           </p:cNvPr>
@@ -3875,7 +3876,7 @@
   <p:timing>
     <p:tnLst>
       <p:par>
-        <p:cTn id="1" dur="indefinite" restart="never" nodeType="tmRoot"/>
+        <p:cTn xmlns:p14="http://schemas.microsoft.com/office/powerpoint/2010/main" id="1" dur="indefinite" restart="never" nodeType="tmRoot"/>
       </p:par>
     </p:tnLst>
   </p:timing>
@@ -3985,7 +3986,7 @@
   <p:timing>
     <p:tnLst>
       <p:par>
-        <p:cTn id="1" dur="indefinite" restart="never" nodeType="tmRoot"/>
+        <p:cTn xmlns:p14="http://schemas.microsoft.com/office/powerpoint/2010/main" id="1" dur="indefinite" restart="never" nodeType="tmRoot"/>
       </p:par>
     </p:tnLst>
   </p:timing>
@@ -4089,7 +4090,7 @@
   <p:timing>
     <p:tnLst>
       <p:par>
-        <p:cTn id="1" dur="indefinite" restart="never" nodeType="tmRoot"/>
+        <p:cTn xmlns:p14="http://schemas.microsoft.com/office/powerpoint/2010/main" id="1" dur="indefinite" restart="never" nodeType="tmRoot"/>
       </p:par>
     </p:tnLst>
   </p:timing>
@@ -4145,7 +4146,7 @@
   <p:timing>
     <p:tnLst>
       <p:par>
-        <p:cTn id="1" dur="indefinite" restart="never" nodeType="tmRoot"/>
+        <p:cTn xmlns:p14="http://schemas.microsoft.com/office/powerpoint/2010/main" id="1" dur="indefinite" restart="never" nodeType="tmRoot"/>
       </p:par>
     </p:tnLst>
   </p:timing>
@@ -4201,7 +4202,7 @@
   <p:timing>
     <p:tnLst>
       <p:par>
-        <p:cTn id="1" dur="indefinite" restart="never" nodeType="tmRoot"/>
+        <p:cTn xmlns:p14="http://schemas.microsoft.com/office/powerpoint/2010/main" id="1" dur="indefinite" restart="never" nodeType="tmRoot"/>
       </p:par>
     </p:tnLst>
   </p:timing>
@@ -4257,7 +4258,7 @@
   <p:timing>
     <p:tnLst>
       <p:par>
-        <p:cTn id="1" dur="indefinite" restart="never" nodeType="tmRoot"/>
+        <p:cTn xmlns:p14="http://schemas.microsoft.com/office/powerpoint/2010/main" id="1" dur="indefinite" restart="never" nodeType="tmRoot"/>
       </p:par>
     </p:tnLst>
   </p:timing>
@@ -4313,7 +4314,7 @@
   <p:timing>
     <p:tnLst>
       <p:par>
-        <p:cTn id="1" dur="indefinite" restart="never" nodeType="tmRoot"/>
+        <p:cTn xmlns:p14="http://schemas.microsoft.com/office/powerpoint/2010/main" id="1" dur="indefinite" restart="never" nodeType="tmRoot"/>
       </p:par>
     </p:tnLst>
   </p:timing>
@@ -4393,7 +4394,7 @@
   <p:timing>
     <p:tnLst>
       <p:par>
-        <p:cTn id="1" dur="indefinite" restart="never" nodeType="tmRoot"/>
+        <p:cTn xmlns:p14="http://schemas.microsoft.com/office/powerpoint/2010/main" id="1" dur="indefinite" restart="never" nodeType="tmRoot"/>
       </p:par>
     </p:tnLst>
   </p:timing>
@@ -4476,7 +4477,7 @@
   <p:timing>
     <p:tnLst>
       <p:par>
-        <p:cTn id="1" dur="indefinite" restart="never" nodeType="tmRoot"/>
+        <p:cTn xmlns:p14="http://schemas.microsoft.com/office/powerpoint/2010/main" id="1" dur="indefinite" restart="never" nodeType="tmRoot"/>
       </p:par>
     </p:tnLst>
   </p:timing>
@@ -4540,7 +4541,7 @@
   <p:timing>
     <p:tnLst>
       <p:par>
-        <p:cTn id="1" dur="indefinite" restart="never" nodeType="tmRoot"/>
+        <p:cTn xmlns:p14="http://schemas.microsoft.com/office/powerpoint/2010/main" id="1" dur="indefinite" restart="never" nodeType="tmRoot"/>
       </p:par>
     </p:tnLst>
   </p:timing>
@@ -4670,7 +4671,7 @@
   <p:timing>
     <p:tnLst>
       <p:par>
-        <p:cTn id="1" dur="indefinite" restart="never" nodeType="tmRoot"/>
+        <p:cTn xmlns:p14="http://schemas.microsoft.com/office/powerpoint/2010/main" id="1" dur="indefinite" restart="never" nodeType="tmRoot"/>
       </p:par>
     </p:tnLst>
   </p:timing>
@@ -4760,11 +4761,7 @@
             </a:r>
             <a:r>
               <a:rPr lang="zh-CN" altLang="en-US" dirty="0" smtClean="0"/>
-              <a:t>具体</a:t>
-            </a:r>
-            <a:r>
-              <a:rPr lang="zh-CN" altLang="en-US" dirty="0" smtClean="0"/>
-              <a:t>操作指导</a:t>
+              <a:t>具体操作指导</a:t>
             </a:r>
             <a:endParaRPr lang="en-US" altLang="zh-CN" dirty="0" smtClean="0"/>
           </a:p>
@@ -4775,15 +4772,7 @@
             </a:r>
             <a:r>
               <a:rPr lang="zh-CN" altLang="en-US" dirty="0" smtClean="0"/>
-              <a:t>其他</a:t>
-            </a:r>
-            <a:r>
-              <a:rPr lang="zh-CN" altLang="en-US" dirty="0" smtClean="0"/>
-              <a:t>工具</a:t>
-            </a:r>
-            <a:r>
-              <a:rPr lang="zh-CN" altLang="en-US" dirty="0" smtClean="0"/>
-              <a:t>介绍</a:t>
+              <a:t>其他工具介绍</a:t>
             </a:r>
             <a:endParaRPr lang="en-US" altLang="zh-CN" dirty="0" smtClean="0"/>
           </a:p>
@@ -4812,19 +4801,11 @@
           <a:p>
             <a:r>
               <a:rPr lang="en-US" altLang="zh-CN" dirty="0" smtClean="0"/>
-              <a:t>7</a:t>
-            </a:r>
-            <a:r>
-              <a:rPr lang="en-US" altLang="zh-CN" dirty="0" smtClean="0"/>
-              <a:t> </a:t>
-            </a:r>
-            <a:r>
-              <a:rPr lang="zh-CN" altLang="en-US" dirty="0" smtClean="0"/>
-              <a:t>小组</a:t>
-            </a:r>
-            <a:r>
-              <a:rPr lang="zh-CN" altLang="en-US" dirty="0" smtClean="0"/>
-              <a:t>成员分工及打分</a:t>
+              <a:t>7 </a:t>
+            </a:r>
+            <a:r>
+              <a:rPr lang="zh-CN" altLang="en-US" dirty="0" smtClean="0"/>
+              <a:t>小组成员分工及打分</a:t>
             </a:r>
             <a:endParaRPr lang="en-US" altLang="zh-CN" dirty="0" smtClean="0"/>
           </a:p>
@@ -4841,7 +4822,7 @@
   <p:timing>
     <p:tnLst>
       <p:par>
-        <p:cTn id="1" dur="indefinite" restart="never" nodeType="tmRoot"/>
+        <p:cTn xmlns:p14="http://schemas.microsoft.com/office/powerpoint/2010/main" id="1" dur="indefinite" restart="never" nodeType="tmRoot"/>
       </p:par>
     </p:tnLst>
   </p:timing>
@@ -4907,7 +4888,7 @@
   <p:timing>
     <p:tnLst>
       <p:par>
-        <p:cTn id="1" dur="indefinite" restart="never" nodeType="tmRoot"/>
+        <p:cTn xmlns:p14="http://schemas.microsoft.com/office/powerpoint/2010/main" id="1" dur="indefinite" restart="never" nodeType="tmRoot"/>
       </p:par>
     </p:tnLst>
   </p:timing>
@@ -5014,7 +4995,7 @@
   <p:timing>
     <p:tnLst>
       <p:par>
-        <p:cTn id="1" dur="indefinite" restart="never" nodeType="tmRoot"/>
+        <p:cTn xmlns:p14="http://schemas.microsoft.com/office/powerpoint/2010/main" id="1" dur="indefinite" restart="never" nodeType="tmRoot"/>
       </p:par>
     </p:tnLst>
   </p:timing>
@@ -5110,7 +5091,7 @@
   <p:timing>
     <p:tnLst>
       <p:par>
-        <p:cTn id="1" dur="indefinite" restart="never" nodeType="tmRoot"/>
+        <p:cTn xmlns:p14="http://schemas.microsoft.com/office/powerpoint/2010/main" id="1" dur="indefinite" restart="never" nodeType="tmRoot"/>
       </p:par>
     </p:tnLst>
   </p:timing>
@@ -5276,7 +5257,7 @@
   <p:timing>
     <p:tnLst>
       <p:par>
-        <p:cTn id="1" dur="indefinite" restart="never" nodeType="tmRoot"/>
+        <p:cTn xmlns:p14="http://schemas.microsoft.com/office/powerpoint/2010/main" id="1" dur="indefinite" restart="never" nodeType="tmRoot"/>
       </p:par>
     </p:tnLst>
   </p:timing>
@@ -5370,7 +5351,7 @@
   <p:timing>
     <p:tnLst>
       <p:par>
-        <p:cTn id="1" dur="indefinite" restart="never" nodeType="tmRoot"/>
+        <p:cTn xmlns:p14="http://schemas.microsoft.com/office/powerpoint/2010/main" id="1" dur="indefinite" restart="never" nodeType="tmRoot"/>
       </p:par>
     </p:tnLst>
   </p:timing>
@@ -5464,7 +5445,7 @@
   <p:timing>
     <p:tnLst>
       <p:par>
-        <p:cTn id="1" dur="indefinite" restart="never" nodeType="tmRoot"/>
+        <p:cTn xmlns:p14="http://schemas.microsoft.com/office/powerpoint/2010/main" id="1" dur="indefinite" restart="never" nodeType="tmRoot"/>
       </p:par>
     </p:tnLst>
   </p:timing>
@@ -5553,7 +5534,7 @@
   <p:timing>
     <p:tnLst>
       <p:par>
-        <p:cTn id="1" dur="indefinite" restart="never" nodeType="tmRoot"/>
+        <p:cTn xmlns:p14="http://schemas.microsoft.com/office/powerpoint/2010/main" id="1" dur="indefinite" restart="never" nodeType="tmRoot"/>
       </p:par>
     </p:tnLst>
   </p:timing>
@@ -5642,7 +5623,7 @@
   <p:timing>
     <p:tnLst>
       <p:par>
-        <p:cTn id="1" dur="indefinite" restart="never" nodeType="tmRoot"/>
+        <p:cTn xmlns:p14="http://schemas.microsoft.com/office/powerpoint/2010/main" id="1" dur="indefinite" restart="never" nodeType="tmRoot"/>
       </p:par>
     </p:tnLst>
   </p:timing>
@@ -5731,7 +5712,7 @@
   <p:timing>
     <p:tnLst>
       <p:par>
-        <p:cTn id="1" dur="indefinite" restart="never" nodeType="tmRoot"/>
+        <p:cTn xmlns:p14="http://schemas.microsoft.com/office/powerpoint/2010/main" id="1" dur="indefinite" restart="never" nodeType="tmRoot"/>
       </p:par>
     </p:tnLst>
   </p:timing>
@@ -5825,7 +5806,7 @@
   <p:timing>
     <p:tnLst>
       <p:par>
-        <p:cTn id="1" dur="indefinite" restart="never" nodeType="tmRoot"/>
+        <p:cTn xmlns:p14="http://schemas.microsoft.com/office/powerpoint/2010/main" id="1" dur="indefinite" restart="never" nodeType="tmRoot"/>
       </p:par>
     </p:tnLst>
   </p:timing>
@@ -5946,11 +5927,7 @@
             </a:r>
             <a:r>
               <a:rPr lang="zh-CN" altLang="en-US" dirty="0" smtClean="0"/>
-              <a:t>是一个开源项目之一发展快、灵活、可扩展性强</a:t>
-            </a:r>
-            <a:r>
-              <a:rPr lang="zh-CN" altLang="en-US" dirty="0" smtClean="0"/>
-              <a:t>。</a:t>
+              <a:t>是一个开源项目之一发展快、灵活、可扩展性强。</a:t>
             </a:r>
             <a:endParaRPr lang="en-US" altLang="zh-CN" dirty="0" smtClean="0"/>
           </a:p>
@@ -6009,7 +5986,7 @@
   <p:timing>
     <p:tnLst>
       <p:par>
-        <p:cTn id="1" dur="indefinite" restart="never" nodeType="tmRoot"/>
+        <p:cTn xmlns:p14="http://schemas.microsoft.com/office/powerpoint/2010/main" id="1" dur="indefinite" restart="never" nodeType="tmRoot"/>
       </p:par>
     </p:tnLst>
   </p:timing>
@@ -6141,7 +6118,7 @@
   <p:timing>
     <p:tnLst>
       <p:par>
-        <p:cTn id="1" dur="indefinite" restart="never" nodeType="tmRoot"/>
+        <p:cTn xmlns:p14="http://schemas.microsoft.com/office/powerpoint/2010/main" id="1" dur="indefinite" restart="never" nodeType="tmRoot"/>
       </p:par>
     </p:tnLst>
   </p:timing>
@@ -6230,7 +6207,7 @@
   <p:timing>
     <p:tnLst>
       <p:par>
-        <p:cTn id="1" dur="indefinite" restart="never" nodeType="tmRoot"/>
+        <p:cTn xmlns:p14="http://schemas.microsoft.com/office/powerpoint/2010/main" id="1" dur="indefinite" restart="never" nodeType="tmRoot"/>
       </p:par>
     </p:tnLst>
   </p:timing>
@@ -6341,7 +6318,7 @@
   <p:timing>
     <p:tnLst>
       <p:par>
-        <p:cTn id="1" dur="indefinite" restart="never" nodeType="tmRoot"/>
+        <p:cTn xmlns:p14="http://schemas.microsoft.com/office/powerpoint/2010/main" id="1" dur="indefinite" restart="never" nodeType="tmRoot"/>
       </p:par>
     </p:tnLst>
   </p:timing>
@@ -6430,7 +6407,7 @@
   <p:timing>
     <p:tnLst>
       <p:par>
-        <p:cTn id="1" dur="indefinite" restart="never" nodeType="tmRoot"/>
+        <p:cTn xmlns:p14="http://schemas.microsoft.com/office/powerpoint/2010/main" id="1" dur="indefinite" restart="never" nodeType="tmRoot"/>
       </p:par>
     </p:tnLst>
   </p:timing>
@@ -6534,7 +6511,7 @@
   <p:timing>
     <p:tnLst>
       <p:par>
-        <p:cTn id="1" dur="indefinite" restart="never" nodeType="tmRoot"/>
+        <p:cTn xmlns:p14="http://schemas.microsoft.com/office/powerpoint/2010/main" id="1" dur="indefinite" restart="never" nodeType="tmRoot"/>
       </p:par>
     </p:tnLst>
   </p:timing>
@@ -6623,7 +6600,7 @@
   <p:timing>
     <p:tnLst>
       <p:par>
-        <p:cTn id="1" dur="indefinite" restart="never" nodeType="tmRoot"/>
+        <p:cTn xmlns:p14="http://schemas.microsoft.com/office/powerpoint/2010/main" id="1" dur="indefinite" restart="never" nodeType="tmRoot"/>
       </p:par>
     </p:tnLst>
   </p:timing>
@@ -6684,7 +6661,7 @@
   <p:timing>
     <p:tnLst>
       <p:par>
-        <p:cTn id="1" dur="indefinite" restart="never" nodeType="tmRoot"/>
+        <p:cTn xmlns:p14="http://schemas.microsoft.com/office/powerpoint/2010/main" id="1" dur="indefinite" restart="never" nodeType="tmRoot"/>
       </p:par>
     </p:tnLst>
   </p:timing>
@@ -6710,14 +6687,164 @@
       </p:grpSpPr>
       <p:sp>
         <p:nvSpPr>
+          <p:cNvPr id="3" name="内容占位符 2"/>
+          <p:cNvSpPr>
+            <a:spLocks noGrp="1"/>
+          </p:cNvSpPr>
+          <p:nvPr>
+            <p:ph idx="1"/>
+          </p:nvPr>
+        </p:nvSpPr>
+        <p:spPr>
+          <a:xfrm>
+            <a:off x="3059832" y="1556792"/>
+            <a:ext cx="5832648" cy="4526280"/>
+          </a:xfrm>
+        </p:spPr>
+        <p:txBody>
+          <a:bodyPr>
+            <a:normAutofit/>
+          </a:bodyPr>
+          <a:lstStyle/>
+          <a:p>
+            <a:pPr marL="0" indent="0">
+              <a:buNone/>
+            </a:pPr>
+            <a:r>
+              <a:rPr kumimoji="1" lang="en-US" altLang="zh-CN" sz="1800" dirty="0" smtClean="0"/>
+              <a:t>Rational </a:t>
+            </a:r>
+            <a:r>
+              <a:rPr kumimoji="1" lang="en-US" altLang="zh-CN" sz="1800" dirty="0"/>
+              <a:t>Rose</a:t>
+            </a:r>
+            <a:r>
+              <a:rPr kumimoji="1" lang="zh-CN" altLang="en-US" sz="1800" dirty="0"/>
+              <a:t>是</a:t>
+            </a:r>
+            <a:r>
+              <a:rPr kumimoji="1" lang="en-US" altLang="zh-CN" sz="1800" dirty="0"/>
+              <a:t>Rational</a:t>
+            </a:r>
+            <a:r>
+              <a:rPr kumimoji="1" lang="zh-CN" altLang="en-US" sz="1800" dirty="0"/>
+              <a:t>公司出品的一种面向对象的统一建模语言的可视化建模工具。用于可视化建模和公司级水平软件应用的组件构造</a:t>
+            </a:r>
+            <a:r>
+              <a:rPr kumimoji="1" lang="zh-CN" altLang="en-US" sz="1800" dirty="0" smtClean="0"/>
+              <a:t>。</a:t>
+            </a:r>
+          </a:p>
+          <a:p>
+            <a:pPr marL="0" indent="0">
+              <a:buNone/>
+            </a:pPr>
+            <a:r>
+              <a:rPr lang="en-US" altLang="zh-CN" sz="1800" dirty="0"/>
+              <a:t>Rose</a:t>
+            </a:r>
+            <a:r>
+              <a:rPr lang="zh-CN" altLang="en-US" sz="1800" dirty="0"/>
+              <a:t>现在已经退出市场，不过仍有一些公司在使用。</a:t>
+            </a:r>
+            <a:r>
+              <a:rPr lang="en-US" altLang="zh-CN" sz="1800" dirty="0"/>
+              <a:t>IBM</a:t>
+            </a:r>
+            <a:r>
+              <a:rPr lang="zh-CN" altLang="en-US" sz="1800" dirty="0"/>
+              <a:t>推出了</a:t>
+            </a:r>
+            <a:r>
+              <a:rPr lang="en-US" altLang="zh-CN" sz="1800" dirty="0"/>
+              <a:t>Rational Software Architect</a:t>
+            </a:r>
+            <a:r>
+              <a:rPr lang="zh-CN" altLang="en-US" sz="1800" dirty="0"/>
+              <a:t>来替代</a:t>
+            </a:r>
+            <a:r>
+              <a:rPr lang="en-US" altLang="zh-CN" sz="1800" dirty="0"/>
+              <a:t>Rational </a:t>
+            </a:r>
+            <a:r>
+              <a:rPr lang="en-US" altLang="zh-CN" sz="1800" dirty="0" smtClean="0"/>
+              <a:t>Rose</a:t>
+            </a:r>
+            <a:r>
+              <a:rPr lang="zh-CN" altLang="en-US" sz="1800" dirty="0" smtClean="0"/>
+              <a:t>。</a:t>
+            </a:r>
+            <a:endParaRPr lang="en-US" altLang="zh-CN" sz="1800" dirty="0" smtClean="0"/>
+          </a:p>
+          <a:p>
+            <a:pPr marL="0" indent="0">
+              <a:buNone/>
+            </a:pPr>
+            <a:r>
+              <a:rPr lang="en-US" altLang="zh-CN" sz="1800" dirty="0"/>
+              <a:t>Rational Rose </a:t>
+            </a:r>
+            <a:r>
+              <a:rPr lang="zh-CN" altLang="en-US" sz="1800" dirty="0"/>
+              <a:t>是一个完全的、具有能满足所有建模环境（</a:t>
+            </a:r>
+            <a:r>
+              <a:rPr lang="en-US" altLang="zh-CN" sz="1800" dirty="0"/>
+              <a:t>Web</a:t>
+            </a:r>
+            <a:r>
+              <a:rPr lang="zh-CN" altLang="en-US" sz="1800" dirty="0"/>
+              <a:t>开发，</a:t>
+            </a:r>
+            <a:r>
+              <a:rPr lang="zh-CN" altLang="en-US" sz="1800" dirty="0">
+                <a:hlinkClick r:id="rId2"/>
+              </a:rPr>
+              <a:t>数据建模</a:t>
+            </a:r>
+            <a:r>
+              <a:rPr lang="zh-CN" altLang="en-US" sz="1800" dirty="0"/>
+              <a:t>，</a:t>
+            </a:r>
+            <a:r>
+              <a:rPr lang="en-US" altLang="zh-CN" sz="1800" dirty="0"/>
+              <a:t>Visual Studio</a:t>
+            </a:r>
+            <a:r>
+              <a:rPr lang="zh-CN" altLang="en-US" sz="1800" dirty="0"/>
+              <a:t>和 </a:t>
+            </a:r>
+            <a:r>
+              <a:rPr lang="en-US" altLang="zh-CN" sz="1800" dirty="0"/>
+              <a:t>C++ </a:t>
+            </a:r>
+            <a:r>
+              <a:rPr lang="zh-CN" altLang="en-US" sz="1800" dirty="0"/>
+              <a:t>）灵活性需求的一套解决方案。</a:t>
+            </a:r>
+            <a:r>
+              <a:rPr lang="en-US" altLang="zh-CN" sz="1800" dirty="0"/>
+              <a:t>Rose </a:t>
+            </a:r>
+            <a:r>
+              <a:rPr lang="zh-CN" altLang="en-US" sz="1800" dirty="0"/>
+              <a:t>允许开发人员，项目经理，系统工程师和分析人员在软件开发周期内在将需求和系统的体系架构转换成代码，消除浪费的消耗，对需求和系统的体系架构进行可视化，理解和精练。通过在软件开发周期内使用同一种建模工具可以确保更快更好的创建满足客户需求的可扩展的、灵活的并且可靠的应用系统。</a:t>
+            </a:r>
+            <a:endParaRPr kumimoji="1" lang="zh-CN" altLang="en-US" sz="1800" dirty="0"/>
+          </a:p>
+        </p:txBody>
+      </p:sp>
+      <p:sp>
+        <p:nvSpPr>
           <p:cNvPr id="4" name="矩形 3"/>
           <p:cNvSpPr/>
           <p:nvPr/>
         </p:nvSpPr>
         <p:spPr>
           <a:xfrm>
-            <a:off x="642910" y="1071546"/>
-            <a:ext cx="1699628" cy="1699628"/>
+            <a:off x="323528" y="2420888"/>
+            <a:ext cx="2448272" cy="2232248"/>
           </a:xfrm>
           <a:prstGeom prst="rect">
             <a:avLst/>
@@ -6761,280 +6888,48 @@
                 <a:latin typeface="微软雅黑" panose="020B0503020204020204" pitchFamily="34" charset="-122"/>
                 <a:ea typeface="微软雅黑" panose="020B0503020204020204" pitchFamily="34" charset="-122"/>
               </a:rPr>
-              <a:t>visio</a:t>
-            </a:r>
-          </a:p>
-        </p:txBody>
-      </p:sp>
-      <p:sp>
-        <p:nvSpPr>
-          <p:cNvPr id="5" name="矩形 4"/>
-          <p:cNvSpPr/>
-          <p:nvPr/>
-        </p:nvSpPr>
-        <p:spPr>
-          <a:xfrm>
-            <a:off x="571472" y="4429132"/>
-            <a:ext cx="1699628" cy="1699628"/>
-          </a:xfrm>
-          <a:prstGeom prst="rect">
-            <a:avLst/>
-          </a:prstGeom>
-          <a:solidFill>
-            <a:srgbClr val="45CEA2"/>
-          </a:solidFill>
-          <a:ln>
-            <a:noFill/>
-          </a:ln>
-        </p:spPr>
-        <p:style>
-          <a:lnRef idx="2">
-            <a:schemeClr val="accent1">
-              <a:shade val="50000"/>
-            </a:schemeClr>
-          </a:lnRef>
-          <a:fillRef idx="1">
-            <a:schemeClr val="accent1"/>
-          </a:fillRef>
-          <a:effectRef idx="0">
-            <a:schemeClr val="accent1"/>
-          </a:effectRef>
-          <a:fontRef idx="minor">
-            <a:schemeClr val="lt1"/>
-          </a:fontRef>
-        </p:style>
-        <p:txBody>
-          <a:bodyPr rtlCol="0" anchor="ctr"/>
-          <a:lstStyle/>
-          <a:p>
-            <a:pPr algn="ctr"/>
-            <a:r>
-              <a:rPr lang="en-US" altLang="zh-CN" sz="2800" dirty="0">
+              <a:t>Rational</a:t>
+            </a:r>
+            <a:r>
+              <a:rPr lang="zh-CN" altLang="en-US" sz="4400" dirty="0" smtClean="0">
                 <a:solidFill>
-                  <a:srgbClr val="202020"/>
+                  <a:schemeClr val="tx1"/>
                 </a:solidFill>
                 <a:latin typeface="微软雅黑" panose="020B0503020204020204" pitchFamily="34" charset="-122"/>
                 <a:ea typeface="微软雅黑" panose="020B0503020204020204" pitchFamily="34" charset="-122"/>
               </a:rPr>
-              <a:t>Power Designer</a:t>
-            </a:r>
-          </a:p>
-        </p:txBody>
-      </p:sp>
-      <p:sp>
-        <p:nvSpPr>
-          <p:cNvPr id="6" name="TextBox 5"/>
-          <p:cNvSpPr txBox="1"/>
-          <p:nvPr/>
-        </p:nvSpPr>
-        <p:spPr>
-          <a:xfrm>
-            <a:off x="2571736" y="928670"/>
-            <a:ext cx="5000660" cy="2585323"/>
-          </a:xfrm>
-          <a:prstGeom prst="rect">
-            <a:avLst/>
-          </a:prstGeom>
-          <a:noFill/>
-        </p:spPr>
-        <p:txBody>
-          <a:bodyPr wrap="square" rtlCol="0">
-            <a:spAutoFit/>
-          </a:bodyPr>
-          <a:lstStyle/>
-          <a:p>
-            <a:r>
-              <a:rPr lang="en-US" altLang="zh-CN" dirty="0" smtClean="0"/>
-              <a:t>Office Visio </a:t>
-            </a:r>
-            <a:r>
-              <a:rPr lang="zh-CN" altLang="en-US" dirty="0" smtClean="0"/>
-              <a:t>是一款便于</a:t>
-            </a:r>
-            <a:r>
-              <a:rPr lang="en-US" altLang="zh-CN" dirty="0" smtClean="0"/>
-              <a:t>IT</a:t>
-            </a:r>
-            <a:r>
-              <a:rPr lang="zh-CN" altLang="en-US" dirty="0" smtClean="0"/>
-              <a:t>和商务专业人员就复杂信息、系统和流程进行可视化处理、分析和交流的软件。使用具有专业外观的 </a:t>
-            </a:r>
-            <a:r>
-              <a:rPr lang="en-US" altLang="zh-CN" dirty="0" smtClean="0"/>
-              <a:t>Office Visio </a:t>
-            </a:r>
-            <a:r>
-              <a:rPr lang="zh-CN" altLang="en-US" dirty="0" smtClean="0"/>
-              <a:t>图表，可以促进对系统和流程的了解，深入了解复杂信息并利用这些知识做出更好的业务决策。</a:t>
-            </a:r>
-          </a:p>
-          <a:p>
-            <a:r>
-              <a:rPr lang="en-US" altLang="zh-CN" dirty="0" smtClean="0"/>
-              <a:t>Microsoft Office Visio</a:t>
-            </a:r>
-            <a:r>
-              <a:rPr lang="zh-CN" altLang="en-US" dirty="0" smtClean="0"/>
-              <a:t>帮助您创建具有专业外观的图表，以便理解、记录和分析信息、数据、系统和过程。</a:t>
-            </a:r>
-          </a:p>
-          <a:p>
-            <a:endParaRPr lang="zh-CN" altLang="en-US" dirty="0"/>
-          </a:p>
-        </p:txBody>
-      </p:sp>
-      <p:sp>
-        <p:nvSpPr>
-          <p:cNvPr id="7" name="TextBox 6"/>
-          <p:cNvSpPr txBox="1"/>
-          <p:nvPr/>
-        </p:nvSpPr>
-        <p:spPr>
-          <a:xfrm>
-            <a:off x="2500298" y="3643314"/>
-            <a:ext cx="6357982" cy="3139321"/>
-          </a:xfrm>
-          <a:prstGeom prst="rect">
-            <a:avLst/>
-          </a:prstGeom>
-          <a:noFill/>
-        </p:spPr>
-        <p:txBody>
-          <a:bodyPr wrap="square" rtlCol="0">
-            <a:spAutoFit/>
-          </a:bodyPr>
-          <a:lstStyle/>
-          <a:p>
-            <a:r>
-              <a:rPr lang="en-US" altLang="zh-CN" dirty="0" smtClean="0"/>
-              <a:t>PowerDesigner</a:t>
-            </a:r>
-            <a:r>
-              <a:rPr lang="zh-CN" altLang="en-US" dirty="0" smtClean="0"/>
-              <a:t>最初由</a:t>
-            </a:r>
-            <a:r>
-              <a:rPr lang="en-US" altLang="zh-CN" dirty="0" smtClean="0"/>
-              <a:t>Xiao-</a:t>
-            </a:r>
-            <a:r>
-              <a:rPr lang="en-US" altLang="zh-CN" dirty="0" err="1" smtClean="0"/>
-              <a:t>Yun</a:t>
-            </a:r>
-            <a:r>
-              <a:rPr lang="en-US" altLang="zh-CN" dirty="0" smtClean="0"/>
-              <a:t> Wang</a:t>
-            </a:r>
-            <a:r>
-              <a:rPr lang="zh-CN" altLang="en-US" dirty="0" smtClean="0"/>
-              <a:t>（王晓昀）在</a:t>
-            </a:r>
-            <a:r>
-              <a:rPr lang="en-US" altLang="zh-CN" dirty="0" smtClean="0"/>
-              <a:t>SDP Technologies</a:t>
-            </a:r>
-            <a:r>
-              <a:rPr lang="zh-CN" altLang="en-US" dirty="0" smtClean="0"/>
-              <a:t>公司开发完成。</a:t>
-            </a:r>
-            <a:r>
-              <a:rPr lang="en-US" altLang="zh-CN" dirty="0" smtClean="0"/>
-              <a:t>PowerDesigner</a:t>
-            </a:r>
-            <a:r>
-              <a:rPr lang="zh-CN" altLang="en-US" dirty="0" smtClean="0"/>
-              <a:t>是</a:t>
-            </a:r>
-            <a:r>
-              <a:rPr lang="en-US" altLang="zh-CN" dirty="0" smtClean="0"/>
-              <a:t>Sybase</a:t>
-            </a:r>
-            <a:r>
-              <a:rPr lang="zh-CN" altLang="en-US" dirty="0" smtClean="0"/>
-              <a:t>的企业建模和设计解决方案，采用模型驱动方法，将业务与</a:t>
-            </a:r>
-            <a:r>
-              <a:rPr lang="en-US" altLang="zh-CN" dirty="0" smtClean="0"/>
-              <a:t>IT</a:t>
-            </a:r>
-            <a:r>
-              <a:rPr lang="zh-CN" altLang="en-US" dirty="0" smtClean="0"/>
-              <a:t>结合起来，可帮助部署有效的企业体系架构，并为研发生命周期管理提供强大的分析与设计技术。</a:t>
-            </a:r>
-            <a:r>
-              <a:rPr lang="en-US" altLang="zh-CN" dirty="0" smtClean="0"/>
-              <a:t>PowerDesigner</a:t>
-            </a:r>
-            <a:r>
-              <a:rPr lang="zh-CN" altLang="en-US" dirty="0" smtClean="0"/>
-              <a:t>独具匠心地将多种标准数据建模技术（</a:t>
-            </a:r>
-            <a:r>
-              <a:rPr lang="en-US" altLang="zh-CN" dirty="0" smtClean="0"/>
-              <a:t>UML</a:t>
-            </a:r>
-            <a:r>
-              <a:rPr lang="zh-CN" altLang="en-US" dirty="0" smtClean="0"/>
-              <a:t>、业务流程建模以及市场领先的数据建模）集成一体，并与 </a:t>
-            </a:r>
-            <a:r>
-              <a:rPr lang="en-US" altLang="zh-CN" dirty="0" smtClean="0"/>
-              <a:t>.NET</a:t>
-            </a:r>
-            <a:r>
-              <a:rPr lang="zh-CN" altLang="en-US" dirty="0" smtClean="0"/>
-              <a:t>、</a:t>
-            </a:r>
-            <a:r>
-              <a:rPr lang="en-US" altLang="zh-CN" dirty="0" err="1" smtClean="0"/>
-              <a:t>WorkSpace</a:t>
-            </a:r>
-            <a:r>
-              <a:rPr lang="zh-CN" altLang="en-US" dirty="0" smtClean="0"/>
-              <a:t>、</a:t>
-            </a:r>
-            <a:r>
-              <a:rPr lang="en-US" altLang="zh-CN" dirty="0" smtClean="0"/>
-              <a:t>PowerBuilder</a:t>
-            </a:r>
-            <a:r>
-              <a:rPr lang="zh-CN" altLang="en-US" dirty="0" smtClean="0"/>
-              <a:t>、</a:t>
-            </a:r>
-            <a:r>
-              <a:rPr lang="en-US" altLang="zh-CN" dirty="0" smtClean="0"/>
-              <a:t>Java™</a:t>
-            </a:r>
-            <a:r>
-              <a:rPr lang="zh-CN" altLang="en-US" dirty="0" smtClean="0"/>
-              <a:t>、</a:t>
-            </a:r>
-            <a:r>
-              <a:rPr lang="en-US" altLang="zh-CN" dirty="0" smtClean="0"/>
-              <a:t>Eclipse </a:t>
-            </a:r>
-            <a:r>
-              <a:rPr lang="zh-CN" altLang="en-US" dirty="0" smtClean="0"/>
-              <a:t>等主流开发平台集成起来，从而为传统的软件开发周期管理提供业务分析和规范的数据库设计解决方案。</a:t>
-            </a:r>
-          </a:p>
-          <a:p>
-            <a:endParaRPr lang="zh-CN" altLang="en-US" dirty="0"/>
+              <a:t> </a:t>
+            </a:r>
+            <a:r>
+              <a:rPr lang="en-US" altLang="zh-CN" sz="4400" dirty="0" smtClean="0">
+                <a:solidFill>
+                  <a:schemeClr val="tx1"/>
+                </a:solidFill>
+                <a:latin typeface="微软雅黑" panose="020B0503020204020204" pitchFamily="34" charset="-122"/>
+                <a:ea typeface="微软雅黑" panose="020B0503020204020204" pitchFamily="34" charset="-122"/>
+              </a:rPr>
+              <a:t>rose</a:t>
+            </a:r>
+            <a:endParaRPr lang="en-US" altLang="zh-CN" sz="4400" dirty="0" smtClean="0">
+              <a:solidFill>
+                <a:schemeClr val="tx1"/>
+              </a:solidFill>
+              <a:latin typeface="微软雅黑" panose="020B0503020204020204" pitchFamily="34" charset="-122"/>
+              <a:ea typeface="微软雅黑" panose="020B0503020204020204" pitchFamily="34" charset="-122"/>
+            </a:endParaRPr>
           </a:p>
         </p:txBody>
       </p:sp>
     </p:spTree>
+    <p:extLst>
+      <p:ext uri="{BB962C8B-B14F-4D97-AF65-F5344CB8AC3E}">
+        <p14:creationId xmlns:p14="http://schemas.microsoft.com/office/powerpoint/2010/main" val="992717872"/>
+      </p:ext>
+    </p:extLst>
   </p:cSld>
   <p:clrMapOvr>
     <a:masterClrMapping/>
   </p:clrMapOvr>
-  <p:timing>
-    <p:tnLst>
-      <p:par>
-        <p:cTn id="1" dur="indefinite" restart="never" nodeType="tmRoot"/>
-      </p:par>
-    </p:tnLst>
-  </p:timing>
 </p:sld>
 </file>
 
@@ -7057,32 +6952,315 @@
       </p:grpSpPr>
       <p:sp>
         <p:nvSpPr>
-          <p:cNvPr id="2" name="标题 1"/>
-          <p:cNvSpPr>
-            <a:spLocks noGrp="1"/>
-          </p:cNvSpPr>
-          <p:nvPr>
-            <p:ph type="title"/>
-          </p:nvPr>
+          <p:cNvPr id="4" name="矩形 3"/>
+          <p:cNvSpPr/>
+          <p:nvPr/>
         </p:nvSpPr>
         <p:spPr>
           <a:xfrm>
-            <a:off x="3857620" y="500042"/>
-            <a:ext cx="1900222" cy="1143000"/>
-          </a:xfrm>
-        </p:spPr>
-        <p:txBody>
-          <a:bodyPr/>
+            <a:off x="642910" y="1071546"/>
+            <a:ext cx="1699628" cy="1699628"/>
+          </a:xfrm>
+          <a:prstGeom prst="rect">
+            <a:avLst/>
+          </a:prstGeom>
+          <a:solidFill>
+            <a:schemeClr val="accent1">
+              <a:lumMod val="60000"/>
+              <a:lumOff val="40000"/>
+            </a:schemeClr>
+          </a:solidFill>
+          <a:ln>
+            <a:noFill/>
+          </a:ln>
+        </p:spPr>
+        <p:style>
+          <a:lnRef idx="2">
+            <a:schemeClr val="accent1">
+              <a:shade val="50000"/>
+            </a:schemeClr>
+          </a:lnRef>
+          <a:fillRef idx="1">
+            <a:schemeClr val="accent1"/>
+          </a:fillRef>
+          <a:effectRef idx="0">
+            <a:schemeClr val="accent1"/>
+          </a:effectRef>
+          <a:fontRef idx="minor">
+            <a:schemeClr val="lt1"/>
+          </a:fontRef>
+        </p:style>
+        <p:txBody>
+          <a:bodyPr rtlCol="0" anchor="ctr"/>
           <a:lstStyle/>
           <a:p>
-            <a:r>
-              <a:rPr lang="en-US" altLang="zh-CN" dirty="0" smtClean="0"/>
-              <a:t>5</a:t>
-            </a:r>
-            <a:r>
-              <a:rPr lang="zh-CN" altLang="en-US" dirty="0" smtClean="0"/>
-              <a:t>提问</a:t>
-            </a:r>
+            <a:pPr algn="ctr"/>
+            <a:r>
+              <a:rPr lang="en-US" altLang="zh-CN" sz="4400" dirty="0" smtClean="0">
+                <a:solidFill>
+                  <a:schemeClr val="tx1"/>
+                </a:solidFill>
+                <a:latin typeface="微软雅黑" panose="020B0503020204020204" pitchFamily="34" charset="-122"/>
+                <a:ea typeface="微软雅黑" panose="020B0503020204020204" pitchFamily="34" charset="-122"/>
+              </a:rPr>
+              <a:t>visio</a:t>
+            </a:r>
+          </a:p>
+        </p:txBody>
+      </p:sp>
+      <p:sp>
+        <p:nvSpPr>
+          <p:cNvPr id="5" name="矩形 4"/>
+          <p:cNvSpPr/>
+          <p:nvPr/>
+        </p:nvSpPr>
+        <p:spPr>
+          <a:xfrm>
+            <a:off x="571472" y="4429132"/>
+            <a:ext cx="1699628" cy="1699628"/>
+          </a:xfrm>
+          <a:prstGeom prst="rect">
+            <a:avLst/>
+          </a:prstGeom>
+          <a:solidFill>
+            <a:srgbClr val="45CEA2"/>
+          </a:solidFill>
+          <a:ln>
+            <a:noFill/>
+          </a:ln>
+        </p:spPr>
+        <p:style>
+          <a:lnRef idx="2">
+            <a:schemeClr val="accent1">
+              <a:shade val="50000"/>
+            </a:schemeClr>
+          </a:lnRef>
+          <a:fillRef idx="1">
+            <a:schemeClr val="accent1"/>
+          </a:fillRef>
+          <a:effectRef idx="0">
+            <a:schemeClr val="accent1"/>
+          </a:effectRef>
+          <a:fontRef idx="minor">
+            <a:schemeClr val="lt1"/>
+          </a:fontRef>
+        </p:style>
+        <p:txBody>
+          <a:bodyPr rtlCol="0" anchor="ctr"/>
+          <a:lstStyle/>
+          <a:p>
+            <a:pPr algn="ctr"/>
+            <a:r>
+              <a:rPr lang="en-US" altLang="zh-CN" sz="2800" dirty="0">
+                <a:solidFill>
+                  <a:srgbClr val="202020"/>
+                </a:solidFill>
+                <a:latin typeface="微软雅黑" panose="020B0503020204020204" pitchFamily="34" charset="-122"/>
+                <a:ea typeface="微软雅黑" panose="020B0503020204020204" pitchFamily="34" charset="-122"/>
+              </a:rPr>
+              <a:t>Power Designer</a:t>
+            </a:r>
+          </a:p>
+        </p:txBody>
+      </p:sp>
+      <p:sp>
+        <p:nvSpPr>
+          <p:cNvPr id="6" name="TextBox 5"/>
+          <p:cNvSpPr txBox="1"/>
+          <p:nvPr/>
+        </p:nvSpPr>
+        <p:spPr>
+          <a:xfrm>
+            <a:off x="2571736" y="928670"/>
+            <a:ext cx="5000660" cy="2585323"/>
+          </a:xfrm>
+          <a:prstGeom prst="rect">
+            <a:avLst/>
+          </a:prstGeom>
+          <a:noFill/>
+        </p:spPr>
+        <p:txBody>
+          <a:bodyPr wrap="square" rtlCol="0">
+            <a:spAutoFit/>
+          </a:bodyPr>
+          <a:lstStyle/>
+          <a:p>
+            <a:r>
+              <a:rPr lang="en-US" altLang="zh-CN" dirty="0" smtClean="0"/>
+              <a:t>Office Visio </a:t>
+            </a:r>
+            <a:r>
+              <a:rPr lang="zh-CN" altLang="en-US" dirty="0" smtClean="0"/>
+              <a:t>是一款便于</a:t>
+            </a:r>
+            <a:r>
+              <a:rPr lang="en-US" altLang="zh-CN" dirty="0" smtClean="0"/>
+              <a:t>IT</a:t>
+            </a:r>
+            <a:r>
+              <a:rPr lang="zh-CN" altLang="en-US" dirty="0" smtClean="0"/>
+              <a:t>和商务专业人员就复杂信息、系统和流程进行可视化处理、分析和交流的软件。使用具有专业外观的 </a:t>
+            </a:r>
+            <a:r>
+              <a:rPr lang="en-US" altLang="zh-CN" dirty="0" smtClean="0"/>
+              <a:t>Office Visio </a:t>
+            </a:r>
+            <a:r>
+              <a:rPr lang="zh-CN" altLang="en-US" dirty="0" smtClean="0"/>
+              <a:t>图表，可以促进对系统和流程的了解，深入了解复杂信息并利用这些知识做出更好的业务决策。</a:t>
+            </a:r>
+          </a:p>
+          <a:p>
+            <a:r>
+              <a:rPr lang="en-US" altLang="zh-CN" dirty="0" smtClean="0"/>
+              <a:t>Microsoft Office Visio</a:t>
+            </a:r>
+            <a:r>
+              <a:rPr lang="zh-CN" altLang="en-US" dirty="0" smtClean="0"/>
+              <a:t>帮助您创建具有专业外观的图表，以便理解、记录和分析信息、数据、系统和过程。</a:t>
+            </a:r>
+          </a:p>
+          <a:p>
+            <a:endParaRPr lang="zh-CN" altLang="en-US" dirty="0"/>
+          </a:p>
+        </p:txBody>
+      </p:sp>
+      <p:sp>
+        <p:nvSpPr>
+          <p:cNvPr id="7" name="TextBox 6"/>
+          <p:cNvSpPr txBox="1"/>
+          <p:nvPr/>
+        </p:nvSpPr>
+        <p:spPr>
+          <a:xfrm>
+            <a:off x="2500298" y="3643314"/>
+            <a:ext cx="6357982" cy="3139321"/>
+          </a:xfrm>
+          <a:prstGeom prst="rect">
+            <a:avLst/>
+          </a:prstGeom>
+          <a:noFill/>
+        </p:spPr>
+        <p:txBody>
+          <a:bodyPr wrap="square" rtlCol="0">
+            <a:spAutoFit/>
+          </a:bodyPr>
+          <a:lstStyle/>
+          <a:p>
+            <a:r>
+              <a:rPr lang="en-US" altLang="zh-CN" dirty="0" smtClean="0"/>
+              <a:t>PowerDesigner</a:t>
+            </a:r>
+            <a:r>
+              <a:rPr lang="zh-CN" altLang="en-US" dirty="0" smtClean="0"/>
+              <a:t>最初由</a:t>
+            </a:r>
+            <a:r>
+              <a:rPr lang="en-US" altLang="zh-CN" dirty="0" smtClean="0"/>
+              <a:t>Xiao-</a:t>
+            </a:r>
+            <a:r>
+              <a:rPr lang="en-US" altLang="zh-CN" dirty="0" err="1" smtClean="0"/>
+              <a:t>Yun</a:t>
+            </a:r>
+            <a:r>
+              <a:rPr lang="en-US" altLang="zh-CN" dirty="0" smtClean="0"/>
+              <a:t> Wang</a:t>
+            </a:r>
+            <a:r>
+              <a:rPr lang="zh-CN" altLang="en-US" dirty="0" smtClean="0"/>
+              <a:t>（王晓昀）在</a:t>
+            </a:r>
+            <a:r>
+              <a:rPr lang="en-US" altLang="zh-CN" dirty="0" smtClean="0"/>
+              <a:t>SDP Technologies</a:t>
+            </a:r>
+            <a:r>
+              <a:rPr lang="zh-CN" altLang="en-US" dirty="0" smtClean="0"/>
+              <a:t>公司开发完成。</a:t>
+            </a:r>
+            <a:r>
+              <a:rPr lang="en-US" altLang="zh-CN" dirty="0" smtClean="0"/>
+              <a:t>PowerDesigner</a:t>
+            </a:r>
+            <a:r>
+              <a:rPr lang="zh-CN" altLang="en-US" dirty="0" smtClean="0"/>
+              <a:t>是</a:t>
+            </a:r>
+            <a:r>
+              <a:rPr lang="en-US" altLang="zh-CN" dirty="0" smtClean="0"/>
+              <a:t>Sybase</a:t>
+            </a:r>
+            <a:r>
+              <a:rPr lang="zh-CN" altLang="en-US" dirty="0" smtClean="0"/>
+              <a:t>的企业建模和设计解决方案，采用模型驱动方法，将业务与</a:t>
+            </a:r>
+            <a:r>
+              <a:rPr lang="en-US" altLang="zh-CN" dirty="0" smtClean="0"/>
+              <a:t>IT</a:t>
+            </a:r>
+            <a:r>
+              <a:rPr lang="zh-CN" altLang="en-US" dirty="0" smtClean="0"/>
+              <a:t>结合起来，可帮助部署有效的企业体系架构，并为研发生命周期管理提供强大的分析与设计技术。</a:t>
+            </a:r>
+            <a:r>
+              <a:rPr lang="en-US" altLang="zh-CN" dirty="0" smtClean="0"/>
+              <a:t>PowerDesigner</a:t>
+            </a:r>
+            <a:r>
+              <a:rPr lang="zh-CN" altLang="en-US" dirty="0" smtClean="0"/>
+              <a:t>独具匠心地将多种标准数据建模技术（</a:t>
+            </a:r>
+            <a:r>
+              <a:rPr lang="en-US" altLang="zh-CN" dirty="0" smtClean="0"/>
+              <a:t>UML</a:t>
+            </a:r>
+            <a:r>
+              <a:rPr lang="zh-CN" altLang="en-US" dirty="0" smtClean="0"/>
+              <a:t>、业务流程建模以及市场领先的数据建模）集成一体，并与 </a:t>
+            </a:r>
+            <a:r>
+              <a:rPr lang="en-US" altLang="zh-CN" dirty="0" smtClean="0"/>
+              <a:t>.NET</a:t>
+            </a:r>
+            <a:r>
+              <a:rPr lang="zh-CN" altLang="en-US" dirty="0" smtClean="0"/>
+              <a:t>、</a:t>
+            </a:r>
+            <a:r>
+              <a:rPr lang="en-US" altLang="zh-CN" dirty="0" err="1" smtClean="0"/>
+              <a:t>WorkSpace</a:t>
+            </a:r>
+            <a:r>
+              <a:rPr lang="zh-CN" altLang="en-US" dirty="0" smtClean="0"/>
+              <a:t>、</a:t>
+            </a:r>
+            <a:r>
+              <a:rPr lang="en-US" altLang="zh-CN" dirty="0" smtClean="0"/>
+              <a:t>PowerBuilder</a:t>
+            </a:r>
+            <a:r>
+              <a:rPr lang="zh-CN" altLang="en-US" dirty="0" smtClean="0"/>
+              <a:t>、</a:t>
+            </a:r>
+            <a:r>
+              <a:rPr lang="en-US" altLang="zh-CN" dirty="0" smtClean="0"/>
+              <a:t>Java™</a:t>
+            </a:r>
+            <a:r>
+              <a:rPr lang="zh-CN" altLang="en-US" dirty="0" smtClean="0"/>
+              <a:t>、</a:t>
+            </a:r>
+            <a:r>
+              <a:rPr lang="en-US" altLang="zh-CN" dirty="0" smtClean="0"/>
+              <a:t>Eclipse </a:t>
+            </a:r>
+            <a:r>
+              <a:rPr lang="zh-CN" altLang="en-US" dirty="0" smtClean="0"/>
+              <a:t>等主流开发平台集成起来，从而为传统的软件开发周期管理提供业务分析和规范的数据库设计解决方案。</a:t>
+            </a:r>
+          </a:p>
+          <a:p>
             <a:endParaRPr lang="zh-CN" altLang="en-US" dirty="0"/>
           </a:p>
         </p:txBody>
@@ -7095,7 +7273,7 @@
   <p:timing>
     <p:tnLst>
       <p:par>
-        <p:cTn id="1" dur="indefinite" restart="never" nodeType="tmRoot"/>
+        <p:cTn xmlns:p14="http://schemas.microsoft.com/office/powerpoint/2010/main" id="1" dur="indefinite" restart="never" nodeType="tmRoot"/>
       </p:par>
     </p:tnLst>
   </p:timing>
@@ -7121,26 +7299,31 @@
       </p:grpSpPr>
       <p:sp>
         <p:nvSpPr>
-          <p:cNvPr id="3" name="内容占位符 2"/>
-          <p:cNvSpPr>
-            <a:spLocks noGrp="1"/>
-          </p:cNvSpPr>
-          <p:nvPr>
-            <p:ph idx="1"/>
-          </p:nvPr>
-        </p:nvSpPr>
-        <p:spPr/>
+          <p:cNvPr id="2" name="标题 1"/>
+          <p:cNvSpPr>
+            <a:spLocks noGrp="1"/>
+          </p:cNvSpPr>
+          <p:nvPr>
+            <p:ph type="title"/>
+          </p:nvPr>
+        </p:nvSpPr>
+        <p:spPr>
+          <a:xfrm>
+            <a:off x="3857620" y="500042"/>
+            <a:ext cx="1900222" cy="1143000"/>
+          </a:xfrm>
+        </p:spPr>
         <p:txBody>
           <a:bodyPr/>
           <a:lstStyle/>
           <a:p>
             <a:r>
               <a:rPr lang="en-US" altLang="zh-CN" dirty="0" smtClean="0"/>
-              <a:t>1</a:t>
-            </a:r>
-            <a:r>
-              <a:rPr lang="zh-CN" altLang="en-US" b="1" dirty="0" smtClean="0"/>
-              <a:t>用例图中涉及的关系有哪几种？</a:t>
+              <a:t>5</a:t>
+            </a:r>
+            <a:r>
+              <a:rPr lang="zh-CN" altLang="en-US" dirty="0" smtClean="0"/>
+              <a:t>提问</a:t>
             </a:r>
             <a:endParaRPr lang="zh-CN" altLang="en-US" dirty="0"/>
           </a:p>
@@ -7154,7 +7337,7 @@
   <p:timing>
     <p:tnLst>
       <p:par>
-        <p:cTn id="1" dur="indefinite" restart="never" nodeType="tmRoot"/>
+        <p:cTn xmlns:p14="http://schemas.microsoft.com/office/powerpoint/2010/main" id="1" dur="indefinite" restart="never" nodeType="tmRoot"/>
       </p:par>
     </p:tnLst>
   </p:timing>
@@ -7195,15 +7378,7 @@
           <a:p>
             <a:r>
               <a:rPr lang="en-US" altLang="zh-CN" dirty="0" smtClean="0"/>
-              <a:t>1 </a:t>
-            </a:r>
-            <a:r>
-              <a:rPr lang="en-US" altLang="zh-CN" dirty="0" smtClean="0"/>
-              <a:t>.2 </a:t>
-            </a:r>
-            <a:r>
-              <a:rPr lang="en-US" altLang="zh-CN" dirty="0" smtClean="0"/>
-              <a:t>StarUML</a:t>
+              <a:t>1 .2 StarUML</a:t>
             </a:r>
             <a:r>
               <a:rPr lang="zh-CN" altLang="en-US" dirty="0" smtClean="0"/>
@@ -7239,11 +7414,7 @@
             </a:r>
             <a:r>
               <a:rPr lang="zh-CN" altLang="en-US" dirty="0" smtClean="0"/>
-              <a:t>可</a:t>
-            </a:r>
-            <a:r>
-              <a:rPr lang="zh-CN" altLang="en-US" dirty="0" smtClean="0"/>
-              <a:t>绘制</a:t>
+              <a:t>可绘制</a:t>
             </a:r>
             <a:r>
               <a:rPr lang="en-US" altLang="zh-CN" dirty="0" smtClean="0"/>
@@ -7373,7 +7544,7 @@
   <p:timing>
     <p:tnLst>
       <p:par>
-        <p:cTn id="1" dur="indefinite" restart="never" nodeType="tmRoot"/>
+        <p:cTn xmlns:p14="http://schemas.microsoft.com/office/powerpoint/2010/main" id="1" dur="indefinite" restart="never" nodeType="tmRoot"/>
       </p:par>
     </p:tnLst>
   </p:timing>
@@ -7413,8 +7584,12 @@
           <a:lstStyle/>
           <a:p>
             <a:r>
+              <a:rPr lang="en-US" altLang="zh-CN" dirty="0" smtClean="0"/>
+              <a:t>1</a:t>
+            </a:r>
+            <a:r>
               <a:rPr lang="zh-CN" altLang="en-US" b="1" dirty="0" smtClean="0"/>
-              <a:t>关联、泛化、包含、扩展。</a:t>
+              <a:t>用例图中涉及的关系有哪几种？</a:t>
             </a:r>
             <a:endParaRPr lang="zh-CN" altLang="en-US" dirty="0"/>
           </a:p>
@@ -7428,7 +7603,7 @@
   <p:timing>
     <p:tnLst>
       <p:par>
-        <p:cTn id="1" dur="indefinite" restart="never" nodeType="tmRoot"/>
+        <p:cTn xmlns:p14="http://schemas.microsoft.com/office/powerpoint/2010/main" id="1" dur="indefinite" restart="never" nodeType="tmRoot"/>
       </p:par>
     </p:tnLst>
   </p:timing>
@@ -7468,20 +7643,8 @@
           <a:lstStyle/>
           <a:p>
             <a:r>
-              <a:rPr lang="en-US" altLang="zh-CN" dirty="0" smtClean="0"/>
-              <a:t>2 StarUML</a:t>
-            </a:r>
-            <a:r>
-              <a:rPr lang="zh-CN" altLang="en-US" dirty="0" smtClean="0"/>
-              <a:t>提供了几种</a:t>
-            </a:r>
-            <a:r>
-              <a:rPr lang="en-US" altLang="zh-CN" dirty="0" smtClean="0"/>
-              <a:t>UML</a:t>
-            </a:r>
-            <a:r>
-              <a:rPr lang="zh-CN" altLang="en-US" dirty="0" smtClean="0"/>
-              <a:t>图？</a:t>
+              <a:rPr lang="zh-CN" altLang="en-US" b="1" dirty="0" smtClean="0"/>
+              <a:t>关联、泛化、包含、扩展。</a:t>
             </a:r>
             <a:endParaRPr lang="zh-CN" altLang="en-US" dirty="0"/>
           </a:p>
@@ -7495,7 +7658,7 @@
   <p:timing>
     <p:tnLst>
       <p:par>
-        <p:cTn id="1" dur="indefinite" restart="never" nodeType="tmRoot"/>
+        <p:cTn xmlns:p14="http://schemas.microsoft.com/office/powerpoint/2010/main" id="1" dur="indefinite" restart="never" nodeType="tmRoot"/>
       </p:par>
     </p:tnLst>
   </p:timing>
@@ -7535,39 +7698,22 @@
           <a:lstStyle/>
           <a:p>
             <a:r>
-              <a:rPr lang="zh-CN" altLang="en-US" dirty="0" smtClean="0"/>
-              <a:t>提供了常用的</a:t>
-            </a:r>
-            <a:r>
-              <a:rPr lang="en-US" altLang="zh-CN" dirty="0" smtClean="0"/>
-              <a:t>11</a:t>
-            </a:r>
-            <a:r>
-              <a:rPr lang="zh-CN" altLang="en-US" dirty="0" smtClean="0"/>
-              <a:t>种：</a:t>
-            </a:r>
-            <a:endParaRPr lang="en-US" altLang="zh-CN" dirty="0" smtClean="0"/>
-          </a:p>
-          <a:p>
-            <a:r>
-              <a:rPr lang="zh-CN" altLang="en-US" dirty="0" smtClean="0"/>
-              <a:t>类图，用例图，顺序图，顺序图（角色），</a:t>
-            </a:r>
-            <a:endParaRPr lang="en-US" altLang="zh-CN" dirty="0" smtClean="0"/>
-          </a:p>
-          <a:p>
-            <a:r>
-              <a:rPr lang="zh-CN" altLang="en-US" dirty="0" smtClean="0"/>
-              <a:t>通信图，通信图（角色），状态图，活动图，</a:t>
-            </a:r>
-            <a:endParaRPr lang="en-US" altLang="zh-CN" dirty="0" smtClean="0"/>
-          </a:p>
-          <a:p>
-            <a:r>
-              <a:rPr lang="zh-CN" altLang="en-US" dirty="0" smtClean="0"/>
-              <a:t>构件图，部署图，组合结构图。</a:t>
-            </a:r>
-            <a:endParaRPr lang="en-US" altLang="zh-CN" dirty="0" smtClean="0"/>
+              <a:rPr lang="en-US" altLang="zh-CN" dirty="0" smtClean="0"/>
+              <a:t>2 StarUML</a:t>
+            </a:r>
+            <a:r>
+              <a:rPr lang="zh-CN" altLang="en-US" dirty="0" smtClean="0"/>
+              <a:t>提供了几种</a:t>
+            </a:r>
+            <a:r>
+              <a:rPr lang="en-US" altLang="zh-CN" dirty="0" smtClean="0"/>
+              <a:t>UML</a:t>
+            </a:r>
+            <a:r>
+              <a:rPr lang="zh-CN" altLang="en-US" dirty="0" smtClean="0"/>
+              <a:t>图？</a:t>
+            </a:r>
+            <a:endParaRPr lang="zh-CN" altLang="en-US" dirty="0"/>
           </a:p>
         </p:txBody>
       </p:sp>
@@ -7579,7 +7725,7 @@
   <p:timing>
     <p:tnLst>
       <p:par>
-        <p:cTn id="1" dur="indefinite" restart="never" nodeType="tmRoot"/>
+        <p:cTn xmlns:p14="http://schemas.microsoft.com/office/powerpoint/2010/main" id="1" dur="indefinite" restart="never" nodeType="tmRoot"/>
       </p:par>
     </p:tnLst>
   </p:timing>
@@ -7605,35 +7751,6 @@
       </p:grpSpPr>
       <p:sp>
         <p:nvSpPr>
-          <p:cNvPr id="2" name="标题 1"/>
-          <p:cNvSpPr>
-            <a:spLocks noGrp="1"/>
-          </p:cNvSpPr>
-          <p:nvPr>
-            <p:ph type="title"/>
-          </p:nvPr>
-        </p:nvSpPr>
-        <p:spPr/>
-        <p:txBody>
-          <a:bodyPr>
-            <a:normAutofit/>
-          </a:bodyPr>
-          <a:lstStyle/>
-          <a:p>
-            <a:r>
-              <a:rPr lang="en-US" altLang="zh-CN" dirty="0" smtClean="0"/>
-              <a:t>6</a:t>
-            </a:r>
-            <a:r>
-              <a:rPr lang="zh-CN" altLang="en-US" dirty="0" smtClean="0"/>
-              <a:t>参考资料</a:t>
-            </a:r>
-            <a:endParaRPr lang="zh-CN" altLang="en-US" dirty="0"/>
-          </a:p>
-        </p:txBody>
-      </p:sp>
-      <p:sp>
-        <p:nvSpPr>
           <p:cNvPr id="3" name="内容占位符 2"/>
           <p:cNvSpPr>
             <a:spLocks noGrp="1"/>
@@ -7648,49 +7765,39 @@
           <a:lstStyle/>
           <a:p>
             <a:r>
-              <a:rPr lang="en-US" altLang="zh-CN" dirty="0" smtClean="0">
-                <a:hlinkClick r:id="rId2"/>
-              </a:rPr>
-              <a:t>https://www.cnblogs.com/biehongli/p/6052421.html</a:t>
+              <a:rPr lang="zh-CN" altLang="en-US" dirty="0" smtClean="0"/>
+              <a:t>提供了常用的</a:t>
+            </a:r>
+            <a:r>
+              <a:rPr lang="en-US" altLang="zh-CN" dirty="0" smtClean="0"/>
+              <a:t>11</a:t>
+            </a:r>
+            <a:r>
+              <a:rPr lang="zh-CN" altLang="en-US" dirty="0" smtClean="0"/>
+              <a:t>种：</a:t>
             </a:r>
             <a:endParaRPr lang="en-US" altLang="zh-CN" dirty="0" smtClean="0"/>
           </a:p>
           <a:p>
             <a:r>
               <a:rPr lang="zh-CN" altLang="en-US" dirty="0" smtClean="0"/>
-              <a:t>百度百科</a:t>
+              <a:t>类图，用例图，顺序图，顺序图（角色），</a:t>
             </a:r>
             <a:endParaRPr lang="en-US" altLang="zh-CN" dirty="0" smtClean="0"/>
           </a:p>
           <a:p>
             <a:r>
-              <a:rPr lang="en-US" altLang="zh-CN" dirty="0" smtClean="0"/>
-              <a:t>UML</a:t>
-            </a:r>
-            <a:r>
-              <a:rPr lang="zh-CN" altLang="en-US" dirty="0" smtClean="0"/>
-              <a:t>用户指南第二版</a:t>
+              <a:rPr lang="zh-CN" altLang="en-US" dirty="0" smtClean="0"/>
+              <a:t>通信图，通信图（角色），状态图，活动图，</a:t>
             </a:r>
             <a:endParaRPr lang="en-US" altLang="zh-CN" dirty="0" smtClean="0"/>
           </a:p>
           <a:p>
             <a:r>
-              <a:rPr lang="en-US" altLang="zh-CN" dirty="0" smtClean="0"/>
-              <a:t>UML2</a:t>
-            </a:r>
-            <a:r>
-              <a:rPr lang="zh-CN" altLang="en-US" dirty="0" smtClean="0"/>
-              <a:t>基础</a:t>
-            </a:r>
-            <a:r>
-              <a:rPr lang="en-US" altLang="zh-CN" dirty="0" smtClean="0"/>
-              <a:t>,</a:t>
-            </a:r>
-            <a:r>
-              <a:rPr lang="zh-CN" altLang="en-US" dirty="0" smtClean="0"/>
-              <a:t>建模与设计教程</a:t>
-            </a:r>
-            <a:endParaRPr lang="zh-CN" altLang="en-US" dirty="0"/>
+              <a:rPr lang="zh-CN" altLang="en-US" dirty="0" smtClean="0"/>
+              <a:t>构件图，部署图，组合结构图。</a:t>
+            </a:r>
+            <a:endParaRPr lang="en-US" altLang="zh-CN" dirty="0" smtClean="0"/>
           </a:p>
         </p:txBody>
       </p:sp>
@@ -7702,7 +7809,7 @@
   <p:timing>
     <p:tnLst>
       <p:par>
-        <p:cTn id="1" dur="indefinite" restart="never" nodeType="tmRoot"/>
+        <p:cTn xmlns:p14="http://schemas.microsoft.com/office/powerpoint/2010/main" id="1" dur="indefinite" restart="never" nodeType="tmRoot"/>
       </p:par>
     </p:tnLst>
   </p:timing>
@@ -7738,109 +7845,82 @@
         </p:nvSpPr>
         <p:spPr/>
         <p:txBody>
+          <a:bodyPr>
+            <a:normAutofit/>
+          </a:bodyPr>
+          <a:lstStyle/>
+          <a:p>
+            <a:r>
+              <a:rPr lang="en-US" altLang="zh-CN" dirty="0" smtClean="0"/>
+              <a:t>6</a:t>
+            </a:r>
+            <a:r>
+              <a:rPr lang="zh-CN" altLang="en-US" dirty="0" smtClean="0"/>
+              <a:t>参考资料</a:t>
+            </a:r>
+            <a:endParaRPr lang="zh-CN" altLang="en-US" dirty="0"/>
+          </a:p>
+        </p:txBody>
+      </p:sp>
+      <p:sp>
+        <p:nvSpPr>
+          <p:cNvPr id="3" name="内容占位符 2"/>
+          <p:cNvSpPr>
+            <a:spLocks noGrp="1"/>
+          </p:cNvSpPr>
+          <p:nvPr>
+            <p:ph idx="1"/>
+          </p:nvPr>
+        </p:nvSpPr>
+        <p:spPr/>
+        <p:txBody>
           <a:bodyPr/>
           <a:lstStyle/>
           <a:p>
             <a:r>
-              <a:rPr lang="en-US" altLang="zh-CN" dirty="0" smtClean="0"/>
-              <a:t>7</a:t>
-            </a:r>
-            <a:r>
-              <a:rPr lang="zh-CN" altLang="en-US" dirty="0" smtClean="0"/>
-              <a:t>小组成员分工及打分</a:t>
+              <a:rPr lang="en-US" altLang="zh-CN" dirty="0" smtClean="0">
+                <a:hlinkClick r:id="rId2"/>
+              </a:rPr>
+              <a:t>https://www.cnblogs.com/biehongli/p/6052421.html</a:t>
+            </a:r>
+            <a:endParaRPr lang="en-US" altLang="zh-CN" dirty="0" smtClean="0"/>
+          </a:p>
+          <a:p>
+            <a:r>
+              <a:rPr lang="zh-CN" altLang="en-US" dirty="0" smtClean="0"/>
+              <a:t>百度百科</a:t>
+            </a:r>
+            <a:endParaRPr lang="en-US" altLang="zh-CN" dirty="0" smtClean="0"/>
+          </a:p>
+          <a:p>
+            <a:r>
+              <a:rPr lang="en-US" altLang="zh-CN" dirty="0" smtClean="0"/>
+              <a:t>UML</a:t>
+            </a:r>
+            <a:r>
+              <a:rPr lang="zh-CN" altLang="en-US" dirty="0" smtClean="0"/>
+              <a:t>用户指南第二版</a:t>
+            </a:r>
+            <a:endParaRPr lang="en-US" altLang="zh-CN" dirty="0" smtClean="0"/>
+          </a:p>
+          <a:p>
+            <a:r>
+              <a:rPr lang="en-US" altLang="zh-CN" dirty="0" smtClean="0"/>
+              <a:t>UML2</a:t>
+            </a:r>
+            <a:r>
+              <a:rPr lang="zh-CN" altLang="en-US" dirty="0" smtClean="0"/>
+              <a:t>基础</a:t>
+            </a:r>
+            <a:r>
+              <a:rPr lang="en-US" altLang="zh-CN" dirty="0" smtClean="0"/>
+              <a:t>,</a:t>
+            </a:r>
+            <a:r>
+              <a:rPr lang="zh-CN" altLang="en-US" dirty="0" smtClean="0"/>
+              <a:t>建模与设计教程</a:t>
             </a:r>
             <a:endParaRPr lang="zh-CN" altLang="en-US" dirty="0"/>
-          </a:p>
-        </p:txBody>
-      </p:sp>
-      <p:sp>
-        <p:nvSpPr>
-          <p:cNvPr id="3" name="内容占位符 2"/>
-          <p:cNvSpPr>
-            <a:spLocks noGrp="1"/>
-          </p:cNvSpPr>
-          <p:nvPr>
-            <p:ph idx="1"/>
-          </p:nvPr>
-        </p:nvSpPr>
-        <p:spPr/>
-        <p:txBody>
-          <a:bodyPr/>
-          <a:lstStyle/>
-          <a:p>
-            <a:r>
-              <a:rPr lang="zh-CN" altLang="en-US" dirty="0" smtClean="0"/>
-              <a:t>吴桐：</a:t>
-            </a:r>
-            <a:r>
-              <a:rPr lang="en-US" altLang="zh-CN" dirty="0" smtClean="0"/>
-              <a:t>8.8</a:t>
-            </a:r>
-            <a:r>
-              <a:rPr lang="zh-CN" altLang="en-US" dirty="0" smtClean="0"/>
-              <a:t>分</a:t>
-            </a:r>
-            <a:endParaRPr lang="en-US" altLang="zh-CN" dirty="0" smtClean="0"/>
-          </a:p>
-          <a:p>
-            <a:r>
-              <a:rPr lang="zh-CN" altLang="en-US" dirty="0" smtClean="0"/>
-              <a:t>尹健瑾：</a:t>
-            </a:r>
-            <a:r>
-              <a:rPr lang="en-US" altLang="zh-CN" dirty="0" smtClean="0"/>
-              <a:t>8.6</a:t>
-            </a:r>
-            <a:r>
-              <a:rPr lang="zh-CN" altLang="en-US" dirty="0" smtClean="0"/>
-              <a:t>分</a:t>
-            </a:r>
-            <a:endParaRPr lang="en-US" altLang="zh-CN" dirty="0" smtClean="0"/>
-          </a:p>
-          <a:p>
-            <a:r>
-              <a:rPr lang="zh-CN" altLang="en-US" dirty="0" smtClean="0"/>
-              <a:t>邬立东：</a:t>
-            </a:r>
-            <a:r>
-              <a:rPr lang="en-US" altLang="zh-CN" dirty="0" smtClean="0"/>
-              <a:t>8.3</a:t>
-            </a:r>
-            <a:r>
-              <a:rPr lang="zh-CN" altLang="en-US" dirty="0" smtClean="0"/>
-              <a:t>分</a:t>
-            </a:r>
-            <a:endParaRPr lang="en-US" altLang="zh-CN" dirty="0" smtClean="0"/>
-          </a:p>
-          <a:p>
-            <a:r>
-              <a:rPr lang="zh-CN" altLang="en-US" dirty="0" smtClean="0"/>
-              <a:t>袁泽成：</a:t>
-            </a:r>
-            <a:r>
-              <a:rPr lang="en-US" altLang="zh-CN" dirty="0" smtClean="0"/>
-              <a:t>8.4</a:t>
-            </a:r>
-            <a:r>
-              <a:rPr lang="zh-CN" altLang="en-US" dirty="0" smtClean="0"/>
-              <a:t>分</a:t>
-            </a:r>
-            <a:endParaRPr lang="en-US" altLang="zh-CN" dirty="0" smtClean="0"/>
-          </a:p>
-          <a:p>
-            <a:r>
-              <a:rPr lang="zh-CN" altLang="en-US" dirty="0" smtClean="0"/>
-              <a:t>赵高生：</a:t>
-            </a:r>
-            <a:r>
-              <a:rPr lang="en-US" altLang="zh-CN" dirty="0" smtClean="0"/>
-              <a:t>8.5</a:t>
-            </a:r>
-            <a:r>
-              <a:rPr lang="zh-CN" altLang="en-US" dirty="0" smtClean="0"/>
-              <a:t>分</a:t>
-            </a:r>
-            <a:endParaRPr lang="en-US" altLang="zh-CN" dirty="0" smtClean="0"/>
           </a:p>
         </p:txBody>
       </p:sp>
@@ -7852,7 +7932,7 @@
   <p:timing>
     <p:tnLst>
       <p:par>
-        <p:cTn id="1" dur="indefinite" restart="never" nodeType="tmRoot"/>
+        <p:cTn xmlns:p14="http://schemas.microsoft.com/office/powerpoint/2010/main" id="1" dur="indefinite" restart="never" nodeType="tmRoot"/>
       </p:par>
     </p:tnLst>
   </p:timing>
@@ -7860,6 +7940,156 @@
 </file>
 
 <file path=ppt/slides/slide45.xml><?xml version="1.0" encoding="utf-8"?>
+<p:sld xmlns:a="http://schemas.openxmlformats.org/drawingml/2006/main" xmlns:r="http://schemas.openxmlformats.org/officeDocument/2006/relationships" xmlns:p="http://schemas.openxmlformats.org/presentationml/2006/main">
+  <p:cSld>
+    <p:spTree>
+      <p:nvGrpSpPr>
+        <p:cNvPr id="1" name=""/>
+        <p:cNvGrpSpPr/>
+        <p:nvPr/>
+      </p:nvGrpSpPr>
+      <p:grpSpPr>
+        <a:xfrm>
+          <a:off x="0" y="0"/>
+          <a:ext cx="0" cy="0"/>
+          <a:chOff x="0" y="0"/>
+          <a:chExt cx="0" cy="0"/>
+        </a:xfrm>
+      </p:grpSpPr>
+      <p:sp>
+        <p:nvSpPr>
+          <p:cNvPr id="2" name="标题 1"/>
+          <p:cNvSpPr>
+            <a:spLocks noGrp="1"/>
+          </p:cNvSpPr>
+          <p:nvPr>
+            <p:ph type="title"/>
+          </p:nvPr>
+        </p:nvSpPr>
+        <p:spPr/>
+        <p:txBody>
+          <a:bodyPr/>
+          <a:lstStyle/>
+          <a:p>
+            <a:r>
+              <a:rPr lang="en-US" altLang="zh-CN" dirty="0" smtClean="0"/>
+              <a:t>7</a:t>
+            </a:r>
+            <a:r>
+              <a:rPr lang="zh-CN" altLang="en-US" dirty="0" smtClean="0"/>
+              <a:t>小组成员分工及打分</a:t>
+            </a:r>
+            <a:endParaRPr lang="zh-CN" altLang="en-US" dirty="0"/>
+          </a:p>
+        </p:txBody>
+      </p:sp>
+      <p:sp>
+        <p:nvSpPr>
+          <p:cNvPr id="3" name="内容占位符 2"/>
+          <p:cNvSpPr>
+            <a:spLocks noGrp="1"/>
+          </p:cNvSpPr>
+          <p:nvPr>
+            <p:ph idx="1"/>
+          </p:nvPr>
+        </p:nvSpPr>
+        <p:spPr/>
+        <p:txBody>
+          <a:bodyPr/>
+          <a:lstStyle/>
+          <a:p>
+            <a:r>
+              <a:rPr lang="zh-CN" altLang="en-US" dirty="0" smtClean="0"/>
+              <a:t>吴桐：</a:t>
+            </a:r>
+            <a:r>
+              <a:rPr lang="en-US" altLang="zh-CN" dirty="0" smtClean="0"/>
+              <a:t>8.8</a:t>
+            </a:r>
+            <a:r>
+              <a:rPr lang="zh-CN" altLang="en-US" dirty="0" smtClean="0"/>
+              <a:t>分</a:t>
+            </a:r>
+            <a:endParaRPr lang="en-US" altLang="zh-CN" dirty="0" smtClean="0"/>
+          </a:p>
+          <a:p>
+            <a:r>
+              <a:rPr lang="zh-CN" altLang="en-US" dirty="0" smtClean="0"/>
+              <a:t>尹健瑾：</a:t>
+            </a:r>
+            <a:r>
+              <a:rPr lang="en-US" altLang="zh-CN" dirty="0" smtClean="0"/>
+              <a:t>8.6</a:t>
+            </a:r>
+            <a:r>
+              <a:rPr lang="zh-CN" altLang="en-US" dirty="0" smtClean="0"/>
+              <a:t>分</a:t>
+            </a:r>
+            <a:endParaRPr lang="en-US" altLang="zh-CN" dirty="0" smtClean="0"/>
+          </a:p>
+          <a:p>
+            <a:r>
+              <a:rPr lang="zh-CN" altLang="en-US" dirty="0" smtClean="0"/>
+              <a:t>邬立东：</a:t>
+            </a:r>
+            <a:r>
+              <a:rPr lang="en-US" altLang="zh-CN" dirty="0" smtClean="0"/>
+              <a:t>8.3</a:t>
+            </a:r>
+            <a:r>
+              <a:rPr lang="zh-CN" altLang="en-US" dirty="0" smtClean="0"/>
+              <a:t>分</a:t>
+            </a:r>
+            <a:endParaRPr lang="en-US" altLang="zh-CN" dirty="0" smtClean="0"/>
+          </a:p>
+          <a:p>
+            <a:r>
+              <a:rPr lang="zh-CN" altLang="en-US" dirty="0" smtClean="0"/>
+              <a:t>袁泽成：</a:t>
+            </a:r>
+            <a:r>
+              <a:rPr lang="en-US" altLang="zh-CN" dirty="0" smtClean="0"/>
+              <a:t>8.4</a:t>
+            </a:r>
+            <a:r>
+              <a:rPr lang="zh-CN" altLang="en-US" dirty="0" smtClean="0"/>
+              <a:t>分</a:t>
+            </a:r>
+            <a:endParaRPr lang="en-US" altLang="zh-CN" dirty="0" smtClean="0"/>
+          </a:p>
+          <a:p>
+            <a:r>
+              <a:rPr lang="zh-CN" altLang="en-US" dirty="0" smtClean="0"/>
+              <a:t>赵高生：</a:t>
+            </a:r>
+            <a:r>
+              <a:rPr lang="en-US" altLang="zh-CN" dirty="0" smtClean="0"/>
+              <a:t>8.5</a:t>
+            </a:r>
+            <a:r>
+              <a:rPr lang="zh-CN" altLang="en-US" dirty="0" smtClean="0"/>
+              <a:t>分</a:t>
+            </a:r>
+            <a:endParaRPr lang="en-US" altLang="zh-CN" dirty="0" smtClean="0"/>
+          </a:p>
+        </p:txBody>
+      </p:sp>
+    </p:spTree>
+  </p:cSld>
+  <p:clrMapOvr>
+    <a:masterClrMapping/>
+  </p:clrMapOvr>
+  <p:timing>
+    <p:tnLst>
+      <p:par>
+        <p:cTn xmlns:p14="http://schemas.microsoft.com/office/powerpoint/2010/main" id="1" dur="indefinite" restart="never" nodeType="tmRoot"/>
+      </p:par>
+    </p:tnLst>
+  </p:timing>
+</p:sld>
+</file>
+
+<file path=ppt/slides/slide46.xml><?xml version="1.0" encoding="utf-8"?>
 <p:sld xmlns:a="http://schemas.openxmlformats.org/drawingml/2006/main" xmlns:r="http://schemas.openxmlformats.org/officeDocument/2006/relationships" xmlns:p="http://schemas.openxmlformats.org/presentationml/2006/main">
   <p:cSld>
     <p:spTree>
@@ -8003,7 +8233,7 @@
   <p:timing>
     <p:tnLst>
       <p:par>
-        <p:cTn id="1" dur="indefinite" restart="never" nodeType="tmRoot"/>
+        <p:cTn xmlns:p14="http://schemas.microsoft.com/office/powerpoint/2010/main" id="1" dur="indefinite" restart="never" nodeType="tmRoot"/>
       </p:par>
     </p:tnLst>
   </p:timing>
@@ -8143,7 +8373,7 @@
   <p:timing>
     <p:tnLst>
       <p:par>
-        <p:cTn id="1" dur="indefinite" restart="never" nodeType="tmRoot"/>
+        <p:cTn xmlns:p14="http://schemas.microsoft.com/office/powerpoint/2010/main" id="1" dur="indefinite" restart="never" nodeType="tmRoot"/>
       </p:par>
     </p:tnLst>
   </p:timing>
@@ -8348,7 +8578,7 @@
   <p:timing>
     <p:tnLst>
       <p:par>
-        <p:cTn id="1" dur="indefinite" restart="never" nodeType="tmRoot"/>
+        <p:cTn xmlns:p14="http://schemas.microsoft.com/office/powerpoint/2010/main" id="1" dur="indefinite" restart="never" nodeType="tmRoot"/>
       </p:par>
     </p:tnLst>
   </p:timing>
@@ -8482,7 +8712,7 @@
   <p:timing>
     <p:tnLst>
       <p:par>
-        <p:cTn id="1" dur="indefinite" restart="never" nodeType="tmRoot"/>
+        <p:cTn xmlns:p14="http://schemas.microsoft.com/office/powerpoint/2010/main" id="1" dur="indefinite" restart="never" nodeType="tmRoot"/>
       </p:par>
     </p:tnLst>
   </p:timing>
@@ -8689,7 +8919,7 @@
   <p:timing>
     <p:tnLst>
       <p:par>
-        <p:cTn id="1" dur="indefinite" restart="never" nodeType="tmRoot"/>
+        <p:cTn xmlns:p14="http://schemas.microsoft.com/office/powerpoint/2010/main" id="1" dur="indefinite" restart="never" nodeType="tmRoot"/>
       </p:par>
     </p:tnLst>
   </p:timing>

--- a/PRD-21-C2/非受控文档/本周提交文档/UML建模工具—StarUML使用介绍.pptx
+++ b/PRD-21-C2/非受控文档/本周提交文档/UML建模工具—StarUML使用介绍.pptx
@@ -3843,7 +3843,7 @@
           <p:cNvPr id="4" name="图片 3">
             <a:extLst>
               <a:ext uri="{FF2B5EF4-FFF2-40B4-BE49-F238E27FC236}">
-                <a16:creationId xmlns:a16="http://schemas.microsoft.com/office/drawing/2014/main" xmlns="" id="{5C678702-5EA8-4728-B24B-014FB63A4CCB}"/>
+                <a16:creationId xmlns="" xmlns:a16="http://schemas.microsoft.com/office/drawing/2014/main" id="{5C678702-5EA8-4728-B24B-014FB63A4CCB}"/>
               </a:ext>
             </a:extLst>
           </p:cNvPr>
@@ -6910,13 +6910,6 @@
               </a:rPr>
               <a:t>rose</a:t>
             </a:r>
-            <a:endParaRPr lang="en-US" altLang="zh-CN" sz="4400" dirty="0" smtClean="0">
-              <a:solidFill>
-                <a:schemeClr val="tx1"/>
-              </a:solidFill>
-              <a:latin typeface="微软雅黑" panose="020B0503020204020204" pitchFamily="34" charset="-122"/>
-              <a:ea typeface="微软雅黑" panose="020B0503020204020204" pitchFamily="34" charset="-122"/>
-            </a:endParaRPr>
           </a:p>
         </p:txBody>
       </p:sp>
@@ -7588,8 +7581,16 @@
               <a:t>1</a:t>
             </a:r>
             <a:r>
+              <a:rPr lang="en-US" altLang="zh-CN" b="1" dirty="0" smtClean="0"/>
+              <a:t> </a:t>
+            </a:r>
+            <a:r>
+              <a:rPr lang="en-US" altLang="zh-CN" b="1" dirty="0" err="1" smtClean="0"/>
+              <a:t>StarUML</a:t>
+            </a:r>
+            <a:r>
               <a:rPr lang="zh-CN" altLang="en-US" b="1" dirty="0" smtClean="0"/>
-              <a:t>用例图中涉及的关系有哪几种？</a:t>
+              <a:t>是那个国家人创造的</a:t>
             </a:r>
             <a:endParaRPr lang="zh-CN" altLang="en-US" dirty="0"/>
           </a:p>
@@ -7642,9 +7643,12 @@
           <a:bodyPr/>
           <a:lstStyle/>
           <a:p>
-            <a:r>
-              <a:rPr lang="zh-CN" altLang="en-US" b="1" dirty="0" smtClean="0"/>
-              <a:t>关联、泛化、包含、扩展。</a:t>
+            <a:pPr marL="0" indent="0">
+              <a:buNone/>
+            </a:pPr>
+            <a:r>
+              <a:rPr lang="zh-CN" altLang="en-US" dirty="0" smtClean="0"/>
+              <a:t>韩国人</a:t>
             </a:r>
             <a:endParaRPr lang="zh-CN" altLang="en-US" dirty="0"/>
           </a:p>

--- a/PRD-21-C2/非受控文档/本周提交文档/UML建模工具—StarUML使用介绍.pptx
+++ b/PRD-21-C2/非受控文档/本周提交文档/UML建模工具—StarUML使用介绍.pptx
@@ -3843,7 +3843,7 @@
           <p:cNvPr id="4" name="图片 3">
             <a:extLst>
               <a:ext uri="{FF2B5EF4-FFF2-40B4-BE49-F238E27FC236}">
-                <a16:creationId xmlns="" xmlns:a16="http://schemas.microsoft.com/office/drawing/2014/main" id="{5C678702-5EA8-4728-B24B-014FB63A4CCB}"/>
+                <a16:creationId xmlns:a16="http://schemas.microsoft.com/office/drawing/2014/main" xmlns="" id="{5C678702-5EA8-4728-B24B-014FB63A4CCB}"/>
               </a:ext>
             </a:extLst>
           </p:cNvPr>
@@ -8004,7 +8004,15 @@
           <a:p>
             <a:r>
               <a:rPr lang="zh-CN" altLang="en-US" dirty="0" smtClean="0"/>
-              <a:t>吴桐：</a:t>
+              <a:t>吴桐</a:t>
+            </a:r>
+            <a:r>
+              <a:rPr lang="zh-CN" altLang="en-US" dirty="0" smtClean="0"/>
+              <a:t>：</a:t>
+            </a:r>
+            <a:r>
+              <a:rPr lang="zh-CN" altLang="en-US" dirty="0" smtClean="0"/>
+              <a:t>评审及整合</a:t>
             </a:r>
             <a:r>
               <a:rPr lang="en-US" altLang="zh-CN" dirty="0" smtClean="0"/>
@@ -8019,7 +8027,15 @@
           <a:p>
             <a:r>
               <a:rPr lang="zh-CN" altLang="en-US" dirty="0" smtClean="0"/>
-              <a:t>尹健瑾：</a:t>
+              <a:t>尹健瑾</a:t>
+            </a:r>
+            <a:r>
+              <a:rPr lang="zh-CN" altLang="en-US" dirty="0" smtClean="0"/>
+              <a:t>：</a:t>
+            </a:r>
+            <a:r>
+              <a:rPr lang="zh-CN" altLang="en-US" dirty="0" smtClean="0"/>
+              <a:t>画图</a:t>
             </a:r>
             <a:r>
               <a:rPr lang="en-US" altLang="zh-CN" dirty="0" smtClean="0"/>
@@ -8034,11 +8050,23 @@
           <a:p>
             <a:r>
               <a:rPr lang="zh-CN" altLang="en-US" dirty="0" smtClean="0"/>
-              <a:t>邬立东：</a:t>
-            </a:r>
-            <a:r>
-              <a:rPr lang="en-US" altLang="zh-CN" dirty="0" smtClean="0"/>
-              <a:t>8.3</a:t>
+              <a:t>邬立东</a:t>
+            </a:r>
+            <a:r>
+              <a:rPr lang="zh-CN" altLang="en-US" dirty="0" smtClean="0"/>
+              <a:t>：</a:t>
+            </a:r>
+            <a:r>
+              <a:rPr lang="zh-CN" altLang="en-US" dirty="0" smtClean="0"/>
+              <a:t>资料收集</a:t>
+            </a:r>
+            <a:r>
+              <a:rPr lang="en-US" altLang="zh-CN" dirty="0" smtClean="0"/>
+              <a:t>8.</a:t>
+            </a:r>
+            <a:r>
+              <a:rPr lang="en-US" altLang="zh-CN" dirty="0" smtClean="0"/>
+              <a:t>4</a:t>
             </a:r>
             <a:r>
               <a:rPr lang="zh-CN" altLang="en-US" dirty="0" smtClean="0"/>
@@ -8049,11 +8077,23 @@
           <a:p>
             <a:r>
               <a:rPr lang="zh-CN" altLang="en-US" dirty="0" smtClean="0"/>
-              <a:t>袁泽成：</a:t>
-            </a:r>
-            <a:r>
-              <a:rPr lang="en-US" altLang="zh-CN" dirty="0" smtClean="0"/>
-              <a:t>8.4</a:t>
+              <a:t>袁泽成</a:t>
+            </a:r>
+            <a:r>
+              <a:rPr lang="zh-CN" altLang="en-US" dirty="0" smtClean="0"/>
+              <a:t>：</a:t>
+            </a:r>
+            <a:r>
+              <a:rPr lang="zh-CN" altLang="en-US" dirty="0" smtClean="0"/>
+              <a:t>修改</a:t>
+            </a:r>
+            <a:r>
+              <a:rPr lang="en-US" altLang="zh-CN" dirty="0" smtClean="0"/>
+              <a:t>8.</a:t>
+            </a:r>
+            <a:r>
+              <a:rPr lang="en-US" altLang="zh-CN" dirty="0" smtClean="0"/>
+              <a:t>3</a:t>
             </a:r>
             <a:r>
               <a:rPr lang="zh-CN" altLang="en-US" dirty="0" smtClean="0"/>
@@ -8064,7 +8104,19 @@
           <a:p>
             <a:r>
               <a:rPr lang="zh-CN" altLang="en-US" dirty="0" smtClean="0"/>
-              <a:t>赵高生：</a:t>
+              <a:t>赵高生</a:t>
+            </a:r>
+            <a:r>
+              <a:rPr lang="zh-CN" altLang="en-US" dirty="0" smtClean="0"/>
+              <a:t>：</a:t>
+            </a:r>
+            <a:r>
+              <a:rPr lang="en-US" altLang="zh-CN" dirty="0" smtClean="0"/>
+              <a:t>PPT</a:t>
+            </a:r>
+            <a:r>
+              <a:rPr lang="zh-CN" altLang="en-US" dirty="0" smtClean="0"/>
+              <a:t>制作</a:t>
             </a:r>
             <a:r>
               <a:rPr lang="en-US" altLang="zh-CN" dirty="0" smtClean="0"/>
